--- a/lecture-materials/Analytics/amazon_MSK/msk.pptx
+++ b/lecture-materials/Analytics/amazon_MSK/msk.pptx
@@ -264,7 +264,7 @@
           <a:p>
             <a:fld id="{322C9020-58D6-4B4B-AE71-CBBD8D6FD410}" type="datetimeFigureOut">
               <a:rPr lang="en-CH" smtClean="0"/>
-              <a:t>31.08.23</a:t>
+              <a:t>21.02.2024</a:t>
             </a:fld>
             <a:endParaRPr lang="en-CH"/>
           </a:p>
@@ -464,7 +464,7 @@
           <a:p>
             <a:fld id="{322C9020-58D6-4B4B-AE71-CBBD8D6FD410}" type="datetimeFigureOut">
               <a:rPr lang="en-CH" smtClean="0"/>
-              <a:t>31.08.23</a:t>
+              <a:t>21.02.2024</a:t>
             </a:fld>
             <a:endParaRPr lang="en-CH"/>
           </a:p>
@@ -674,7 +674,7 @@
           <a:p>
             <a:fld id="{322C9020-58D6-4B4B-AE71-CBBD8D6FD410}" type="datetimeFigureOut">
               <a:rPr lang="en-CH" smtClean="0"/>
-              <a:t>31.08.23</a:t>
+              <a:t>21.02.2024</a:t>
             </a:fld>
             <a:endParaRPr lang="en-CH"/>
           </a:p>
@@ -874,7 +874,7 @@
           <a:p>
             <a:fld id="{322C9020-58D6-4B4B-AE71-CBBD8D6FD410}" type="datetimeFigureOut">
               <a:rPr lang="en-CH" smtClean="0"/>
-              <a:t>31.08.23</a:t>
+              <a:t>21.02.2024</a:t>
             </a:fld>
             <a:endParaRPr lang="en-CH"/>
           </a:p>
@@ -1150,7 +1150,7 @@
           <a:p>
             <a:fld id="{322C9020-58D6-4B4B-AE71-CBBD8D6FD410}" type="datetimeFigureOut">
               <a:rPr lang="en-CH" smtClean="0"/>
-              <a:t>31.08.23</a:t>
+              <a:t>21.02.2024</a:t>
             </a:fld>
             <a:endParaRPr lang="en-CH"/>
           </a:p>
@@ -1418,7 +1418,7 @@
           <a:p>
             <a:fld id="{322C9020-58D6-4B4B-AE71-CBBD8D6FD410}" type="datetimeFigureOut">
               <a:rPr lang="en-CH" smtClean="0"/>
-              <a:t>31.08.23</a:t>
+              <a:t>21.02.2024</a:t>
             </a:fld>
             <a:endParaRPr lang="en-CH"/>
           </a:p>
@@ -1833,7 +1833,7 @@
           <a:p>
             <a:fld id="{322C9020-58D6-4B4B-AE71-CBBD8D6FD410}" type="datetimeFigureOut">
               <a:rPr lang="en-CH" smtClean="0"/>
-              <a:t>31.08.23</a:t>
+              <a:t>21.02.2024</a:t>
             </a:fld>
             <a:endParaRPr lang="en-CH"/>
           </a:p>
@@ -1975,7 +1975,7 @@
           <a:p>
             <a:fld id="{322C9020-58D6-4B4B-AE71-CBBD8D6FD410}" type="datetimeFigureOut">
               <a:rPr lang="en-CH" smtClean="0"/>
-              <a:t>31.08.23</a:t>
+              <a:t>21.02.2024</a:t>
             </a:fld>
             <a:endParaRPr lang="en-CH"/>
           </a:p>
@@ -2088,7 +2088,7 @@
           <a:p>
             <a:fld id="{322C9020-58D6-4B4B-AE71-CBBD8D6FD410}" type="datetimeFigureOut">
               <a:rPr lang="en-CH" smtClean="0"/>
-              <a:t>31.08.23</a:t>
+              <a:t>21.02.2024</a:t>
             </a:fld>
             <a:endParaRPr lang="en-CH"/>
           </a:p>
@@ -2401,7 +2401,7 @@
           <a:p>
             <a:fld id="{322C9020-58D6-4B4B-AE71-CBBD8D6FD410}" type="datetimeFigureOut">
               <a:rPr lang="en-CH" smtClean="0"/>
-              <a:t>31.08.23</a:t>
+              <a:t>21.02.2024</a:t>
             </a:fld>
             <a:endParaRPr lang="en-CH"/>
           </a:p>
@@ -2690,7 +2690,7 @@
           <a:p>
             <a:fld id="{322C9020-58D6-4B4B-AE71-CBBD8D6FD410}" type="datetimeFigureOut">
               <a:rPr lang="en-CH" smtClean="0"/>
-              <a:t>31.08.23</a:t>
+              <a:t>21.02.2024</a:t>
             </a:fld>
             <a:endParaRPr lang="en-CH"/>
           </a:p>
@@ -2933,7 +2933,7 @@
           <a:p>
             <a:fld id="{322C9020-58D6-4B4B-AE71-CBBD8D6FD410}" type="datetimeFigureOut">
               <a:rPr lang="en-CH" smtClean="0"/>
-              <a:t>31.08.23</a:t>
+              <a:t>21.02.2024</a:t>
             </a:fld>
             <a:endParaRPr lang="en-CH"/>
           </a:p>
@@ -4227,13 +4227,13 @@
         </p:nvSpPr>
         <p:spPr>
           <a:xfrm>
-            <a:off x="6090574" y="2421682"/>
-            <a:ext cx="4977578" cy="3639289"/>
+            <a:off x="6090573" y="2421682"/>
+            <a:ext cx="5733565" cy="3947587"/>
           </a:xfrm>
         </p:spPr>
         <p:txBody>
           <a:bodyPr anchor="ctr">
-            <a:normAutofit/>
+            <a:normAutofit lnSpcReduction="10000"/>
           </a:bodyPr>
           <a:lstStyle/>
           <a:p>
@@ -4242,7 +4242,7 @@
               <a:buChar char="•"/>
             </a:pPr>
             <a:r>
-              <a:rPr lang="en-GB" sz="1700" b="1" i="0">
+              <a:rPr lang="en-GB" sz="1700" b="1" i="0" dirty="0">
                 <a:solidFill>
                   <a:schemeClr val="tx2"/>
                 </a:solidFill>
@@ -4252,14 +4252,14 @@
               <a:t>Managed service:</a:t>
             </a:r>
             <a:r>
-              <a:rPr lang="en-GB" sz="1700" b="0" i="0">
+              <a:rPr lang="en-GB" sz="1700" b="0" i="0" dirty="0">
                 <a:solidFill>
                   <a:schemeClr val="tx2"/>
                 </a:solidFill>
                 <a:effectLst/>
                 <a:latin typeface="source-serif-pro"/>
               </a:rPr>
-              <a:t> you don’t have to bring together an entire engineering team together to setup Apache Kafka. You can start building your applications in less than 15 minutes</a:t>
+              <a:t> you don’t have to bring together an entire engineering team together to setup Apache Kafka. </a:t>
             </a:r>
           </a:p>
           <a:p>
@@ -4268,7 +4268,23 @@
               <a:buChar char="•"/>
             </a:pPr>
             <a:r>
-              <a:rPr lang="en-GB" sz="1700" b="1" i="0">
+              <a:rPr lang="en-GB" sz="1700" b="0" i="0" dirty="0">
+                <a:solidFill>
+                  <a:schemeClr val="tx2"/>
+                </a:solidFill>
+                <a:effectLst/>
+                <a:latin typeface="source-serif-pro"/>
+              </a:rPr>
+              <a:t>You can start building your applications in less than 15 minutes</a:t>
+            </a:r>
+          </a:p>
+          <a:p>
+            <a:pPr>
+              <a:buFont typeface="Arial" panose="020B0604020202020204" pitchFamily="34" charset="0"/>
+              <a:buChar char="•"/>
+            </a:pPr>
+            <a:r>
+              <a:rPr lang="en-GB" sz="1700" b="1" i="0" dirty="0">
                 <a:solidFill>
                   <a:schemeClr val="tx2"/>
                 </a:solidFill>
@@ -4278,14 +4294,14 @@
               <a:t>Network security:</a:t>
             </a:r>
             <a:r>
-              <a:rPr lang="en-GB" sz="1700" b="0" i="0">
+              <a:rPr lang="en-GB" sz="1700" b="0" i="0" dirty="0">
                 <a:solidFill>
                   <a:schemeClr val="tx2"/>
                 </a:solidFill>
                 <a:effectLst/>
                 <a:latin typeface="source-serif-pro"/>
               </a:rPr>
-              <a:t> Apache Kafka on Amazon MSK is deployed within your VPC, meaning that Apache Kafka network packets never goes out on the internet. This is a big difference from public managed solutions such as Confluent Cloud.</a:t>
+              <a:t> Apache Kafka on Amazon MSK is deployed within your VPC, meaning that Apache Kafka network packets never goes out on the internet. </a:t>
             </a:r>
           </a:p>
           <a:p>
@@ -4294,7 +4310,23 @@
               <a:buChar char="•"/>
             </a:pPr>
             <a:r>
-              <a:rPr lang="en-GB" sz="1700" b="1" i="0">
+              <a:rPr lang="en-GB" sz="1700" b="0" i="0" dirty="0">
+                <a:solidFill>
+                  <a:schemeClr val="tx2"/>
+                </a:solidFill>
+                <a:effectLst/>
+                <a:latin typeface="source-serif-pro"/>
+              </a:rPr>
+              <a:t>This is a big difference from public managed solutions such as Confluent Cloud.</a:t>
+            </a:r>
+          </a:p>
+          <a:p>
+            <a:pPr>
+              <a:buFont typeface="Arial" panose="020B0604020202020204" pitchFamily="34" charset="0"/>
+              <a:buChar char="•"/>
+            </a:pPr>
+            <a:r>
+              <a:rPr lang="en-GB" sz="1700" b="1" i="0" dirty="0">
                 <a:solidFill>
                   <a:schemeClr val="tx2"/>
                 </a:solidFill>
@@ -4304,22 +4336,47 @@
               <a:t>Kafka security:</a:t>
             </a:r>
             <a:r>
-              <a:rPr lang="en-GB" sz="1700" b="0" i="0">
+              <a:rPr lang="en-GB" sz="1700" b="0" i="0" dirty="0">
                 <a:solidFill>
                   <a:schemeClr val="tx2"/>
                 </a:solidFill>
                 <a:effectLst/>
                 <a:latin typeface="source-serif-pro"/>
               </a:rPr>
-              <a:t> MSK supports SSL based security and SASL/SCRAM. I’ve setup Kafka security before, and I can tell you it’s error prone and hard. You can directly use a secure Kafka cluster on MSK.</a:t>
+              <a:t> MSK supports SSL based security and SASL/SCRAM. </a:t>
             </a:r>
           </a:p>
           <a:p>
-            <a:endParaRPr lang="en-CH" sz="1700">
-              <a:solidFill>
-                <a:schemeClr val="tx2"/>
-              </a:solidFill>
-            </a:endParaRPr>
+            <a:pPr>
+              <a:buFont typeface="Arial" panose="020B0604020202020204" pitchFamily="34" charset="0"/>
+              <a:buChar char="•"/>
+            </a:pPr>
+            <a:r>
+              <a:rPr lang="en-GB" sz="1700" b="0" i="0" dirty="0">
+                <a:solidFill>
+                  <a:schemeClr val="tx2"/>
+                </a:solidFill>
+                <a:effectLst/>
+                <a:latin typeface="source-serif-pro"/>
+              </a:rPr>
+              <a:t>I’ve setup Kafka security before, and I can tell you it’s error prone and hard. </a:t>
+            </a:r>
+          </a:p>
+          <a:p>
+            <a:pPr>
+              <a:buFont typeface="Arial" panose="020B0604020202020204" pitchFamily="34" charset="0"/>
+              <a:buChar char="•"/>
+            </a:pPr>
+            <a:r>
+              <a:rPr lang="en-GB" sz="1700" b="0" i="0" dirty="0">
+                <a:solidFill>
+                  <a:schemeClr val="tx2"/>
+                </a:solidFill>
+                <a:effectLst/>
+                <a:latin typeface="source-serif-pro"/>
+              </a:rPr>
+              <a:t>You can directly use a secure Kafka cluster on MSK.</a:t>
+            </a:r>
           </a:p>
         </p:txBody>
       </p:sp>
@@ -11171,85 +11228,97 @@
           <a:lstStyle/>
           <a:p>
             <a:pPr>
+              <a:spcBef>
+                <a:spcPts val="300"/>
+              </a:spcBef>
+              <a:spcAft>
+                <a:spcPts val="300"/>
+              </a:spcAft>
               <a:buFont typeface="Arial" panose="020B0604020202020204" pitchFamily="34" charset="0"/>
               <a:buChar char="•"/>
             </a:pPr>
             <a:r>
-              <a:rPr lang="en-GB" sz="1800" b="1" i="0">
+              <a:rPr lang="en-GB" sz="1800" b="1" i="0" dirty="0">
                 <a:solidFill>
                   <a:schemeClr val="tx2"/>
                 </a:solidFill>
                 <a:effectLst/>
-                <a:latin typeface="source-serif-pro"/>
               </a:rPr>
               <a:t>Cost savings:</a:t>
             </a:r>
             <a:r>
-              <a:rPr lang="en-GB" sz="1800" b="0" i="0">
+              <a:rPr lang="en-GB" sz="1800" b="0" i="0" dirty="0">
                 <a:solidFill>
                   <a:schemeClr val="tx2"/>
                 </a:solidFill>
                 <a:effectLst/>
-                <a:latin typeface="source-serif-pro"/>
               </a:rPr>
               <a:t> one HUGE advantage of using Amazon MSK is that </a:t>
             </a:r>
             <a:r>
-              <a:rPr lang="en-GB" sz="1800" b="1" i="0">
+              <a:rPr lang="en-GB" sz="1800" b="1" i="0" dirty="0">
                 <a:solidFill>
                   <a:schemeClr val="tx2"/>
                 </a:solidFill>
                 <a:effectLst/>
-                <a:latin typeface="source-serif-pro"/>
               </a:rPr>
               <a:t>you do not pay for Kafka replication traffic going across your AZ.</a:t>
             </a:r>
           </a:p>
           <a:p>
-            <a:pPr lvl="1"/>
+            <a:pPr lvl="1">
+              <a:spcBef>
+                <a:spcPts val="300"/>
+              </a:spcBef>
+              <a:spcAft>
+                <a:spcPts val="300"/>
+              </a:spcAft>
+            </a:pPr>
             <a:r>
-              <a:rPr lang="en-GB" sz="1800" b="1" i="0">
+              <a:rPr lang="en-GB" sz="1800" b="1" i="0" dirty="0">
                 <a:solidFill>
                   <a:schemeClr val="tx2"/>
                 </a:solidFill>
                 <a:effectLst/>
-                <a:latin typeface="source-serif-pro"/>
               </a:rPr>
               <a:t> </a:t>
             </a:r>
             <a:r>
-              <a:rPr lang="en-GB" sz="1800" b="0" i="0">
+              <a:rPr lang="en-GB" sz="1800" b="0" i="0" dirty="0">
                 <a:solidFill>
                   <a:schemeClr val="tx2"/>
                 </a:solidFill>
                 <a:effectLst/>
-                <a:latin typeface="source-serif-pro"/>
               </a:rPr>
               <a:t>If you are going to run Apache Kafka on EC2 machines yourself, and set a replication factor of 3, the network bill can become pretty significant if you have huge data volumes. </a:t>
             </a:r>
           </a:p>
           <a:p>
             <a:pPr>
+              <a:spcBef>
+                <a:spcPts val="300"/>
+              </a:spcBef>
+              <a:spcAft>
+                <a:spcPts val="300"/>
+              </a:spcAft>
               <a:buFont typeface="Arial" panose="020B0604020202020204" pitchFamily="34" charset="0"/>
               <a:buChar char="•"/>
             </a:pPr>
             <a:r>
-              <a:rPr lang="en-GB" sz="1800" b="1" i="0">
+              <a:rPr lang="en-GB" sz="1800" b="1" i="0" dirty="0">
                 <a:solidFill>
                   <a:schemeClr val="tx2"/>
                 </a:solidFill>
                 <a:effectLst/>
-                <a:latin typeface="source-serif-pro"/>
               </a:rPr>
               <a:t>Managed upgrades:</a:t>
             </a:r>
             <a:r>
-              <a:rPr lang="en-GB" sz="1800" b="0" i="0">
+              <a:rPr lang="en-GB" sz="1800" b="0" i="0" dirty="0">
                 <a:solidFill>
                   <a:schemeClr val="tx2"/>
                 </a:solidFill>
                 <a:effectLst/>
-                <a:latin typeface="source-serif-pro"/>
               </a:rPr>
               <a:t> one simple API to upgrade your Kafka cluster with no downtime.</a:t>
             </a:r>
